--- a/VUEJS.pptx
+++ b/VUEJS.pptx
@@ -35,14 +35,14 @@
   <p:notesSz cx="6858000" cy="9144000"/>
   <p:embeddedFontLst>
     <p:embeddedFont>
-      <p:font typeface="Roboto Mono" panose="020B0604020202020204" charset="0"/>
+      <p:font typeface="Calibri" panose="020F0502020204030204" pitchFamily="34" charset="0"/>
       <p:regular r:id="rId25"/>
       <p:bold r:id="rId26"/>
       <p:italic r:id="rId27"/>
       <p:boldItalic r:id="rId28"/>
     </p:embeddedFont>
     <p:embeddedFont>
-      <p:font typeface="Calibri" panose="020F0502020204030204" pitchFamily="34" charset="0"/>
+      <p:font typeface="Roboto Mono" panose="020B0604020202020204" charset="0"/>
       <p:regular r:id="rId29"/>
       <p:bold r:id="rId30"/>
       <p:italic r:id="rId31"/>
@@ -6664,8 +6664,8 @@
         </p:nvSpPr>
         <p:spPr>
           <a:xfrm>
-            <a:off x="311708" y="744575"/>
-            <a:ext cx="8520600" cy="2052600"/>
+            <a:off x="1877750" y="1753568"/>
+            <a:ext cx="4207740" cy="947591"/>
           </a:xfrm>
           <a:prstGeom prst="rect">
             <a:avLst/>
@@ -6687,10 +6687,10 @@
               <a:buNone/>
             </a:pPr>
             <a:r>
-              <a:rPr lang="en"/>
+              <a:rPr lang="en" dirty="0"/>
               <a:t>VUE JS</a:t>
             </a:r>
-            <a:endParaRPr/>
+            <a:endParaRPr dirty="0"/>
           </a:p>
         </p:txBody>
       </p:sp>
@@ -6706,8 +6706,8 @@
         </p:nvSpPr>
         <p:spPr>
           <a:xfrm>
-            <a:off x="311700" y="2834125"/>
-            <a:ext cx="8520600" cy="792600"/>
+            <a:off x="4918840" y="2995448"/>
+            <a:ext cx="3913459" cy="1870842"/>
           </a:xfrm>
           <a:prstGeom prst="rect">
             <a:avLst/>
@@ -6719,6 +6719,132 @@
           </a:bodyPr>
           <a:lstStyle/>
           <a:p>
+            <a:pPr marL="0" lvl="0" indent="0" algn="l" rtl="0">
+              <a:spcBef>
+                <a:spcPts val="0"/>
+              </a:spcBef>
+              <a:spcAft>
+                <a:spcPts val="0"/>
+              </a:spcAft>
+              <a:buNone/>
+            </a:pPr>
+            <a:r>
+              <a:rPr lang="en-US" sz="2000" dirty="0" smtClean="0"/>
+              <a:t>Presented By:</a:t>
+            </a:r>
+          </a:p>
+          <a:p>
+            <a:pPr marL="0" lvl="0" indent="0" algn="l" rtl="0">
+              <a:spcBef>
+                <a:spcPts val="0"/>
+              </a:spcBef>
+              <a:spcAft>
+                <a:spcPts val="0"/>
+              </a:spcAft>
+              <a:buNone/>
+            </a:pPr>
+            <a:r>
+              <a:rPr lang="en-US" sz="2000" dirty="0" smtClean="0"/>
+              <a:t>Vennela Cheekoti</a:t>
+            </a:r>
+          </a:p>
+          <a:p>
+            <a:pPr marL="0" lvl="0" indent="0" algn="l" rtl="0">
+              <a:spcBef>
+                <a:spcPts val="0"/>
+              </a:spcBef>
+              <a:spcAft>
+                <a:spcPts val="0"/>
+              </a:spcAft>
+              <a:buNone/>
+            </a:pPr>
+            <a:r>
+              <a:rPr lang="en-US" sz="2000" dirty="0" err="1" smtClean="0"/>
+              <a:t>Venkata</a:t>
+            </a:r>
+            <a:r>
+              <a:rPr lang="en-US" sz="2000" dirty="0" smtClean="0"/>
+              <a:t> </a:t>
+            </a:r>
+            <a:r>
+              <a:rPr lang="en-US" sz="2000" dirty="0"/>
+              <a:t>Sai Krishna </a:t>
+            </a:r>
+            <a:r>
+              <a:rPr lang="en-US" sz="2000" dirty="0" err="1" smtClean="0"/>
+              <a:t>Dasari</a:t>
+            </a:r>
+            <a:endParaRPr lang="en-US" sz="2000" dirty="0"/>
+          </a:p>
+          <a:p>
+            <a:pPr marL="0" lvl="0" indent="0" algn="l" rtl="0">
+              <a:spcBef>
+                <a:spcPts val="0"/>
+              </a:spcBef>
+              <a:spcAft>
+                <a:spcPts val="0"/>
+              </a:spcAft>
+              <a:buNone/>
+            </a:pPr>
+            <a:r>
+              <a:rPr lang="en-US" sz="2000" dirty="0" smtClean="0"/>
+              <a:t>Zachary </a:t>
+            </a:r>
+            <a:r>
+              <a:rPr lang="en-US" sz="2000" dirty="0" err="1" smtClean="0"/>
+              <a:t>Haider</a:t>
+            </a:r>
+            <a:endParaRPr lang="en-US" sz="2000" dirty="0"/>
+          </a:p>
+          <a:p>
+            <a:pPr marL="0" lvl="0" indent="0" algn="l" rtl="0">
+              <a:spcBef>
+                <a:spcPts val="0"/>
+              </a:spcBef>
+              <a:spcAft>
+                <a:spcPts val="0"/>
+              </a:spcAft>
+              <a:buNone/>
+            </a:pPr>
+            <a:r>
+              <a:rPr lang="en-US" sz="2000" dirty="0" smtClean="0"/>
+              <a:t>Suresh </a:t>
+            </a:r>
+            <a:r>
+              <a:rPr lang="en-US" sz="2000" dirty="0"/>
+              <a:t>Chandra </a:t>
+            </a:r>
+            <a:r>
+              <a:rPr lang="en-US" sz="2000" dirty="0" err="1" smtClean="0"/>
+              <a:t>Peddinti</a:t>
+            </a:r>
+            <a:endParaRPr lang="en-US" sz="2000" dirty="0"/>
+          </a:p>
+          <a:p>
+            <a:pPr marL="0" lvl="0" indent="0" algn="l" rtl="0">
+              <a:spcBef>
+                <a:spcPts val="0"/>
+              </a:spcBef>
+              <a:spcAft>
+                <a:spcPts val="0"/>
+              </a:spcAft>
+              <a:buNone/>
+            </a:pPr>
+            <a:r>
+              <a:rPr lang="en-US" sz="2000" dirty="0" err="1" smtClean="0"/>
+              <a:t>Havya</a:t>
+            </a:r>
+            <a:r>
+              <a:rPr lang="en-US" sz="2000" dirty="0" smtClean="0"/>
+              <a:t> </a:t>
+            </a:r>
+            <a:r>
+              <a:rPr lang="en-US" sz="2000" dirty="0" err="1"/>
+              <a:t>Ravipati</a:t>
+            </a:r>
+            <a:endParaRPr lang="en-US" sz="2000" dirty="0"/>
+          </a:p>
+          <a:p>
             <a:pPr marL="0" lvl="0" indent="0" algn="ctr" rtl="0">
               <a:spcBef>
                 <a:spcPts val="0"/>
@@ -6728,7 +6854,7 @@
               </a:spcAft>
               <a:buNone/>
             </a:pPr>
-            <a:endParaRPr/>
+            <a:endParaRPr dirty="0"/>
           </a:p>
         </p:txBody>
       </p:sp>

--- a/VUEJS.pptx
+++ b/VUEJS.pptx
@@ -8632,7 +8632,7 @@
               </a:rPr>
               <a:t>https://vuejs.org/v2/guide/</a:t>
             </a:r>
-            <a:endParaRPr lang="en-US">
+            <a:endParaRPr lang="en-US" dirty="0">
               <a:solidFill>
                 <a:schemeClr val="hlink"/>
               </a:solidFill>
@@ -8646,17 +8646,44 @@
               <a:rPr lang="en" dirty="0">
                 <a:hlinkClick r:id="rId4"/>
               </a:rPr>
-              <a:t>https://en.wikipedia.org/wiki/Vue.js</a:t>
+              <a:t>https://</a:t>
             </a:r>
-            <a:endParaRPr lang="en-US"/>
-          </a:p>
-          <a:p>
-            <a:pPr lvl="0" algn="l">
+            <a:r>
+              <a:rPr lang="en" dirty="0" smtClean="0">
+                <a:hlinkClick r:id="rId4"/>
+              </a:rPr>
+              <a:t>en.wikipedia.org/wiki/Vue.js</a:t>
+            </a:r>
+            <a:endParaRPr lang="en-US" dirty="0" smtClean="0"/>
+          </a:p>
+          <a:p>
+            <a:pPr lvl="0">
               <a:lnSpc>
                 <a:spcPct val="114999"/>
               </a:lnSpc>
               <a:buNone/>
             </a:pPr>
+            <a:r>
+              <a:rPr lang="en-US" dirty="0">
+                <a:hlinkClick r:id="rId5"/>
+              </a:rPr>
+              <a:t>https://clockwise.software/blog/angular-vs-react-vs-vue</a:t>
+            </a:r>
+            <a:r>
+              <a:rPr lang="en-US" dirty="0" smtClean="0">
+                <a:hlinkClick r:id="rId5"/>
+              </a:rPr>
+              <a:t>/</a:t>
+            </a:r>
+            <a:endParaRPr lang="en-US" dirty="0" smtClean="0"/>
+          </a:p>
+          <a:p>
+            <a:pPr lvl="0">
+              <a:lnSpc>
+                <a:spcPct val="114999"/>
+              </a:lnSpc>
+              <a:buNone/>
+            </a:pPr>
             <a:endParaRPr lang="en" dirty="0"/>
           </a:p>
           <a:p>
@@ -8669,7 +8696,7 @@
               </a:spcAft>
               <a:buNone/>
             </a:pPr>
-            <a:endParaRPr lang="en-US"/>
+            <a:endParaRPr lang="en-US" dirty="0"/>
           </a:p>
         </p:txBody>
       </p:sp>

--- a/VUEJS.pptx
+++ b/VUEJS.pptx
@@ -1222,6 +1222,78 @@
           <a:bodyPr/>
           <a:lstStyle/>
           <a:p>
+            <a:pPr marL="158750" indent="0">
+              <a:buNone/>
+            </a:pPr>
+            <a:r>
+              <a:rPr lang="en-US" dirty="0" smtClean="0"/>
+              <a:t>by</a:t>
+            </a:r>
+            <a:r>
+              <a:rPr lang="en-US" baseline="0" dirty="0" smtClean="0"/>
+              <a:t> – Havya Ravipati</a:t>
+            </a:r>
+            <a:endParaRPr lang="en-US" dirty="0"/>
+          </a:p>
+        </p:txBody>
+      </p:sp>
+    </p:spTree>
+    <p:extLst>
+      <p:ext uri="{BB962C8B-B14F-4D97-AF65-F5344CB8AC3E}">
+        <p14:creationId xmlns:p14="http://schemas.microsoft.com/office/powerpoint/2010/main" val="2876922702"/>
+      </p:ext>
+    </p:extLst>
+  </p:cSld>
+  <p:clrMapOvr>
+    <a:masterClrMapping/>
+  </p:clrMapOvr>
+</p:notes>
+</file>
+
+<file path=ppt/notesSlides/notesSlide4.xml><?xml version="1.0" encoding="utf-8"?>
+<p:notes xmlns:a="http://schemas.openxmlformats.org/drawingml/2006/main" xmlns:r="http://schemas.openxmlformats.org/officeDocument/2006/relationships" xmlns:p="http://schemas.openxmlformats.org/presentationml/2006/main">
+  <p:cSld>
+    <p:spTree>
+      <p:nvGrpSpPr>
+        <p:cNvPr id="1" name=""/>
+        <p:cNvGrpSpPr/>
+        <p:nvPr/>
+      </p:nvGrpSpPr>
+      <p:grpSpPr>
+        <a:xfrm>
+          <a:off x="0" y="0"/>
+          <a:ext cx="0" cy="0"/>
+          <a:chOff x="0" y="0"/>
+          <a:chExt cx="0" cy="0"/>
+        </a:xfrm>
+      </p:grpSpPr>
+      <p:sp>
+        <p:nvSpPr>
+          <p:cNvPr id="2" name="Slide Image Placeholder 1"/>
+          <p:cNvSpPr>
+            <a:spLocks noGrp="1" noRot="1" noChangeAspect="1"/>
+          </p:cNvSpPr>
+          <p:nvPr>
+            <p:ph type="sldImg"/>
+          </p:nvPr>
+        </p:nvSpPr>
+        <p:spPr/>
+      </p:sp>
+      <p:sp>
+        <p:nvSpPr>
+          <p:cNvPr id="3" name="Notes Placeholder 2"/>
+          <p:cNvSpPr>
+            <a:spLocks noGrp="1"/>
+          </p:cNvSpPr>
+          <p:nvPr>
+            <p:ph type="body" idx="1"/>
+          </p:nvPr>
+        </p:nvSpPr>
+        <p:spPr/>
+        <p:txBody>
+          <a:bodyPr/>
+          <a:lstStyle/>
+          <a:p>
             <a:pPr rtl="0"/>
             <a:r>
               <a:rPr lang="en-US" sz="1100" b="0" i="0" u="none" strike="noStrike" cap="none" dirty="0" smtClean="0">
@@ -1260,14 +1332,31 @@
             </a:endParaRPr>
           </a:p>
           <a:p>
-            <a:r>
-              <a:rPr lang="en-US" smtClean="0"/>
+            <a:pPr marL="158750" indent="0">
+              <a:buNone/>
+            </a:pPr>
+            <a:endParaRPr lang="en-US" dirty="0" smtClean="0"/>
+          </a:p>
+          <a:p>
+            <a:pPr marL="158750" indent="0">
+              <a:buNone/>
+            </a:pPr>
+            <a:r>
+              <a:rPr lang="en-US" dirty="0" smtClean="0"/>
+              <a:t>By – Havya</a:t>
+            </a:r>
+            <a:r>
+              <a:rPr lang="en-US" baseline="0" dirty="0" smtClean="0"/>
+              <a:t> Ravipati</a:t>
+            </a:r>
+            <a:r>
+              <a:rPr lang="en-US" dirty="0" smtClean="0"/>
               <a:t/>
             </a:r>
             <a:br>
-              <a:rPr lang="en-US" smtClean="0"/>
+              <a:rPr lang="en-US" dirty="0" smtClean="0"/>
             </a:br>
-            <a:endParaRPr lang="en-US"/>
+            <a:endParaRPr lang="en-US" dirty="0"/>
           </a:p>
         </p:txBody>
       </p:sp>
@@ -1284,7 +1373,7 @@
 </p:notes>
 </file>
 
-<file path=ppt/notesSlides/notesSlide4.xml><?xml version="1.0" encoding="utf-8"?>
+<file path=ppt/notesSlides/notesSlide5.xml><?xml version="1.0" encoding="utf-8"?>
 <p:notes xmlns:a="http://schemas.openxmlformats.org/drawingml/2006/main" xmlns:r="http://schemas.openxmlformats.org/officeDocument/2006/relationships" xmlns:p="http://schemas.openxmlformats.org/presentationml/2006/main" showMasterSp="0" showMasterPhAnim="0">
   <p:cSld>
     <p:spTree>
@@ -1510,7 +1599,7 @@
 </p:notes>
 </file>
 
-<file path=ppt/notesSlides/notesSlide5.xml><?xml version="1.0" encoding="utf-8"?>
+<file path=ppt/notesSlides/notesSlide6.xml><?xml version="1.0" encoding="utf-8"?>
 <p:notes xmlns:a="http://schemas.openxmlformats.org/drawingml/2006/main" xmlns:r="http://schemas.openxmlformats.org/officeDocument/2006/relationships" xmlns:p="http://schemas.openxmlformats.org/presentationml/2006/main" showMasterSp="0" showMasterPhAnim="0">
   <p:cSld>
     <p:spTree>
@@ -1614,7 +1703,7 @@
 </p:notes>
 </file>
 
-<file path=ppt/notesSlides/notesSlide6.xml><?xml version="1.0" encoding="utf-8"?>
+<file path=ppt/notesSlides/notesSlide7.xml><?xml version="1.0" encoding="utf-8"?>
 <p:notes xmlns:a="http://schemas.openxmlformats.org/drawingml/2006/main" xmlns:r="http://schemas.openxmlformats.org/officeDocument/2006/relationships" xmlns:p="http://schemas.openxmlformats.org/presentationml/2006/main" showMasterSp="0" showMasterPhAnim="0">
   <p:cSld>
     <p:spTree>
@@ -1718,7 +1807,7 @@
 </p:notes>
 </file>
 
-<file path=ppt/notesSlides/notesSlide7.xml><?xml version="1.0" encoding="utf-8"?>
+<file path=ppt/notesSlides/notesSlide8.xml><?xml version="1.0" encoding="utf-8"?>
 <p:notes xmlns:a="http://schemas.openxmlformats.org/drawingml/2006/main" xmlns:r="http://schemas.openxmlformats.org/officeDocument/2006/relationships" xmlns:p="http://schemas.openxmlformats.org/presentationml/2006/main" showMasterSp="0" showMasterPhAnim="0">
   <p:cSld>
     <p:spTree>
@@ -1822,7 +1911,7 @@
 </p:notes>
 </file>
 
-<file path=ppt/notesSlides/notesSlide8.xml><?xml version="1.0" encoding="utf-8"?>
+<file path=ppt/notesSlides/notesSlide9.xml><?xml version="1.0" encoding="utf-8"?>
 <p:notes xmlns:a="http://schemas.openxmlformats.org/drawingml/2006/main" xmlns:r="http://schemas.openxmlformats.org/officeDocument/2006/relationships" xmlns:p="http://schemas.openxmlformats.org/presentationml/2006/main" showMasterSp="0" showMasterPhAnim="0">
   <p:cSld>
     <p:spTree>
